--- a/CH1/Lesson01_SecondDraft.pptx
+++ b/CH1/Lesson01_SecondDraft.pptx
@@ -5,10 +5,10 @@
     <p:sldMasterId id="2147483648" r:id="rId1"/>
   </p:sldMasterIdLst>
   <p:notesMasterIdLst>
-    <p:notesMasterId r:id="rId33"/>
+    <p:notesMasterId r:id="rId34"/>
   </p:notesMasterIdLst>
   <p:handoutMasterIdLst>
-    <p:handoutMasterId r:id="rId34"/>
+    <p:handoutMasterId r:id="rId35"/>
   </p:handoutMasterIdLst>
   <p:sldIdLst>
     <p:sldId id="256" r:id="rId2"/>
@@ -41,7 +41,8 @@
     <p:sldId id="362" r:id="rId29"/>
     <p:sldId id="323" r:id="rId30"/>
     <p:sldId id="326" r:id="rId31"/>
-    <p:sldId id="332" r:id="rId32"/>
+    <p:sldId id="363" r:id="rId32"/>
+    <p:sldId id="332" r:id="rId33"/>
   </p:sldIdLst>
   <p:sldSz cx="12192000" cy="6858000"/>
   <p:notesSz cx="6858000" cy="9144000"/>
@@ -264,7 +265,7 @@
           <a:p>
             <a:fld id="{31EC103C-0C00-5144-B134-6065E402762D}" type="datetime1">
               <a:rPr lang="en-GB" smtClean="0"/>
-              <a:t>13/01/2019</a:t>
+              <a:t>15/01/2019</a:t>
             </a:fld>
             <a:endParaRPr lang="en-US"/>
           </a:p>
@@ -442,7 +443,7 @@
           <a:p>
             <a:fld id="{5897CFCD-DFD6-F34D-95F2-86875A23819B}" type="datetime1">
               <a:rPr lang="en-GB" smtClean="0"/>
-              <a:t>13/01/2019</a:t>
+              <a:t>15/01/2019</a:t>
             </a:fld>
             <a:endParaRPr lang="en-US"/>
           </a:p>
@@ -824,7 +825,7 @@
           <a:p>
             <a:fld id="{5897CFCD-DFD6-F34D-95F2-86875A23819B}" type="datetime1">
               <a:rPr lang="en-GB" smtClean="0"/>
-              <a:t>13/01/2019</a:t>
+              <a:t>15/01/2019</a:t>
             </a:fld>
             <a:endParaRPr lang="en-US"/>
           </a:p>
@@ -987,7 +988,7 @@
           <a:p>
             <a:fld id="{5897CFCD-DFD6-F34D-95F2-86875A23819B}" type="datetime1">
               <a:rPr lang="en-GB" smtClean="0"/>
-              <a:t>13/01/2019</a:t>
+              <a:t>15/01/2019</a:t>
             </a:fld>
             <a:endParaRPr lang="en-US"/>
           </a:p>
@@ -1150,7 +1151,7 @@
           <a:p>
             <a:fld id="{5897CFCD-DFD6-F34D-95F2-86875A23819B}" type="datetime1">
               <a:rPr lang="en-GB" smtClean="0"/>
-              <a:t>13/01/2019</a:t>
+              <a:t>15/01/2019</a:t>
             </a:fld>
             <a:endParaRPr lang="en-US"/>
           </a:p>
@@ -1282,7 +1283,7 @@
           <a:p>
             <a:fld id="{5897CFCD-DFD6-F34D-95F2-86875A23819B}" type="datetime1">
               <a:rPr lang="en-GB" smtClean="0"/>
-              <a:t>13/01/2019</a:t>
+              <a:t>15/01/2019</a:t>
             </a:fld>
             <a:endParaRPr lang="en-US"/>
           </a:p>
@@ -1397,7 +1398,7 @@
           <a:p>
             <a:fld id="{5897CFCD-DFD6-F34D-95F2-86875A23819B}" type="datetime1">
               <a:rPr lang="en-GB" smtClean="0"/>
-              <a:t>13/01/2019</a:t>
+              <a:t>15/01/2019</a:t>
             </a:fld>
             <a:endParaRPr lang="en-US"/>
           </a:p>
@@ -1512,7 +1513,7 @@
           <a:p>
             <a:fld id="{5897CFCD-DFD6-F34D-95F2-86875A23819B}" type="datetime1">
               <a:rPr lang="en-GB" smtClean="0"/>
-              <a:t>13/01/2019</a:t>
+              <a:t>15/01/2019</a:t>
             </a:fld>
             <a:endParaRPr lang="en-US"/>
           </a:p>
@@ -1654,7 +1655,7 @@
           <a:p>
             <a:fld id="{5897CFCD-DFD6-F34D-95F2-86875A23819B}" type="datetime1">
               <a:rPr lang="en-GB" smtClean="0"/>
-              <a:t>13/01/2019</a:t>
+              <a:t>15/01/2019</a:t>
             </a:fld>
             <a:endParaRPr lang="en-US"/>
           </a:p>
@@ -1787,7 +1788,7 @@
           <a:p>
             <a:fld id="{5897CFCD-DFD6-F34D-95F2-86875A23819B}" type="datetime1">
               <a:rPr lang="en-GB" smtClean="0"/>
-              <a:t>13/01/2019</a:t>
+              <a:t>15/01/2019</a:t>
             </a:fld>
             <a:endParaRPr lang="en-US"/>
           </a:p>
@@ -1894,7 +1895,7 @@
           <a:p>
             <a:fld id="{5897CFCD-DFD6-F34D-95F2-86875A23819B}" type="datetime1">
               <a:rPr lang="en-GB" smtClean="0"/>
-              <a:t>13/01/2019</a:t>
+              <a:t>15/01/2019</a:t>
             </a:fld>
             <a:endParaRPr lang="en-US"/>
           </a:p>
@@ -2010,7 +2011,7 @@
           <a:p>
             <a:fld id="{5897CFCD-DFD6-F34D-95F2-86875A23819B}" type="datetime1">
               <a:rPr lang="en-GB" smtClean="0"/>
-              <a:t>13/01/2019</a:t>
+              <a:t>15/01/2019</a:t>
             </a:fld>
             <a:endParaRPr lang="en-US"/>
           </a:p>
@@ -2117,7 +2118,7 @@
           <a:p>
             <a:fld id="{5897CFCD-DFD6-F34D-95F2-86875A23819B}" type="datetime1">
               <a:rPr lang="en-GB" smtClean="0"/>
-              <a:t>13/01/2019</a:t>
+              <a:t>15/01/2019</a:t>
             </a:fld>
             <a:endParaRPr lang="en-US"/>
           </a:p>
@@ -2224,7 +2225,7 @@
           <a:p>
             <a:fld id="{5897CFCD-DFD6-F34D-95F2-86875A23819B}" type="datetime1">
               <a:rPr lang="en-GB" smtClean="0"/>
-              <a:t>13/01/2019</a:t>
+              <a:t>15/01/2019</a:t>
             </a:fld>
             <a:endParaRPr lang="en-US"/>
           </a:p>
@@ -2331,7 +2332,7 @@
           <a:p>
             <a:fld id="{5897CFCD-DFD6-F34D-95F2-86875A23819B}" type="datetime1">
               <a:rPr lang="en-GB" smtClean="0"/>
-              <a:t>13/01/2019</a:t>
+              <a:t>15/01/2019</a:t>
             </a:fld>
             <a:endParaRPr lang="en-US"/>
           </a:p>
@@ -2438,7 +2439,7 @@
           <a:p>
             <a:fld id="{5897CFCD-DFD6-F34D-95F2-86875A23819B}" type="datetime1">
               <a:rPr lang="en-GB" smtClean="0"/>
-              <a:t>13/01/2019</a:t>
+              <a:t>15/01/2019</a:t>
             </a:fld>
             <a:endParaRPr lang="en-US"/>
           </a:p>
@@ -2545,7 +2546,7 @@
           <a:p>
             <a:fld id="{5897CFCD-DFD6-F34D-95F2-86875A23819B}" type="datetime1">
               <a:rPr lang="en-GB" smtClean="0"/>
-              <a:t>13/01/2019</a:t>
+              <a:t>15/01/2019</a:t>
             </a:fld>
             <a:endParaRPr lang="en-US"/>
           </a:p>
@@ -2683,7 +2684,7 @@
           <a:p>
             <a:fld id="{5897CFCD-DFD6-F34D-95F2-86875A23819B}" type="datetime1">
               <a:rPr lang="en-GB" smtClean="0"/>
-              <a:t>13/01/2019</a:t>
+              <a:t>15/01/2019</a:t>
             </a:fld>
             <a:endParaRPr lang="en-US"/>
           </a:p>
@@ -2794,165 +2795,87 @@
             </a:endParaRPr>
           </a:p>
           <a:p>
-            <a:pPr lvl="0"/>
-            <a:r>
-              <a:rPr lang="en-US" sz="1200" kern="1200" dirty="0">
-                <a:solidFill>
-                  <a:schemeClr val="tx1"/>
-                </a:solidFill>
-                <a:effectLst/>
-                <a:latin typeface="+mn-lt"/>
-                <a:ea typeface="+mn-ea"/>
-                <a:cs typeface="+mn-cs"/>
-              </a:rPr>
-              <a:t>How are supervised and unsupervised learning different?</a:t>
-            </a:r>
-          </a:p>
-          <a:p>
-            <a:pPr lvl="0"/>
-            <a:r>
-              <a:rPr lang="en-US" sz="1200" kern="1200" dirty="0">
-                <a:solidFill>
-                  <a:schemeClr val="tx1"/>
-                </a:solidFill>
-                <a:effectLst/>
-                <a:latin typeface="+mn-lt"/>
-                <a:ea typeface="+mn-ea"/>
-                <a:cs typeface="+mn-cs"/>
-              </a:rPr>
-              <a:t>         Supervised is labeled, Unsupervised is not. </a:t>
-            </a:r>
-          </a:p>
-          <a:p>
-            <a:pPr lvl="0"/>
-            <a:r>
-              <a:rPr lang="en-US" sz="1200" kern="1200" dirty="0">
-                <a:solidFill>
-                  <a:schemeClr val="tx1"/>
-                </a:solidFill>
-                <a:effectLst/>
-                <a:latin typeface="+mn-lt"/>
-                <a:ea typeface="+mn-ea"/>
-                <a:cs typeface="+mn-cs"/>
-              </a:rPr>
-              <a:t>What is a cluster?</a:t>
+            <a:pPr marL="0" lvl="0" indent="0">
+              <a:buNone/>
+            </a:pPr>
+            <a:r>
+              <a:rPr lang="en-US" dirty="0"/>
+              <a:t>1) How are supervised and unsupervised learning different?</a:t>
             </a:r>
           </a:p>
           <a:p>
             <a:pPr lvl="1"/>
             <a:r>
-              <a:rPr lang="en-US" sz="1200" kern="1200" dirty="0">
-                <a:solidFill>
-                  <a:schemeClr val="tx1"/>
-                </a:solidFill>
-                <a:effectLst/>
-                <a:latin typeface="+mn-lt"/>
-                <a:ea typeface="+mn-ea"/>
-                <a:cs typeface="+mn-cs"/>
-              </a:rPr>
-              <a:t>A cluster is a grouping of similar data that exists within your larger dataset.</a:t>
-            </a:r>
-          </a:p>
-          <a:p>
-            <a:pPr lvl="0"/>
-            <a:r>
-              <a:rPr lang="en-US" sz="1200" kern="1200" dirty="0">
-                <a:solidFill>
-                  <a:schemeClr val="tx1"/>
-                </a:solidFill>
-                <a:effectLst/>
-                <a:latin typeface="+mn-lt"/>
-                <a:ea typeface="+mn-ea"/>
-                <a:cs typeface="+mn-cs"/>
-              </a:rPr>
-              <a:t>Are clusters always valuable in a dataset?</a:t>
+              <a:rPr lang="en-US" b="1" dirty="0"/>
+              <a:t>Supervised has labels, Unsupervised does not</a:t>
             </a:r>
           </a:p>
           <a:p>
             <a:pPr lvl="1"/>
             <a:r>
-              <a:rPr lang="en-US" sz="1200" kern="1200" dirty="0">
-                <a:solidFill>
-                  <a:schemeClr val="tx1"/>
-                </a:solidFill>
-                <a:effectLst/>
-                <a:latin typeface="+mn-lt"/>
-                <a:ea typeface="+mn-ea"/>
-                <a:cs typeface="+mn-cs"/>
-              </a:rPr>
-              <a:t>Not necessarily. Just because you find a pocket of data that is similar to each other does not mean that it is correlated with anything you’re interested in.</a:t>
-            </a:r>
-          </a:p>
-          <a:p>
-            <a:pPr lvl="0"/>
-            <a:r>
-              <a:rPr lang="en-US" sz="1200" kern="1200" dirty="0">
-                <a:solidFill>
-                  <a:schemeClr val="tx1"/>
-                </a:solidFill>
-                <a:effectLst/>
-                <a:latin typeface="+mn-lt"/>
-                <a:ea typeface="+mn-ea"/>
-                <a:cs typeface="+mn-cs"/>
-              </a:rPr>
-              <a:t>How are dimensions expressed in a dataset?</a:t>
+              <a:rPr lang="en-US" dirty="0"/>
+              <a:t>Supervised means you have to monitor the process the whole time, Unsupervised does not</a:t>
             </a:r>
           </a:p>
           <a:p>
             <a:pPr lvl="1"/>
             <a:r>
-              <a:rPr lang="en-US" sz="1200" kern="1200" dirty="0">
-                <a:solidFill>
-                  <a:schemeClr val="tx1"/>
-                </a:solidFill>
-                <a:effectLst/>
-                <a:latin typeface="+mn-lt"/>
-                <a:ea typeface="+mn-ea"/>
-                <a:cs typeface="+mn-cs"/>
-              </a:rPr>
-              <a:t>Dimensions are expressed as features in a dataset, or simply the number of columns available per row. For example a 2-dimensional dataset will have 2 columns.</a:t>
-            </a:r>
-          </a:p>
-          <a:p>
-            <a:pPr lvl="0"/>
-            <a:r>
-              <a:rPr lang="en-US" sz="1200" kern="1200" dirty="0">
-                <a:solidFill>
-                  <a:schemeClr val="tx1"/>
-                </a:solidFill>
-                <a:effectLst/>
-                <a:latin typeface="+mn-lt"/>
-                <a:ea typeface="+mn-ea"/>
-                <a:cs typeface="+mn-cs"/>
-              </a:rPr>
-              <a:t>How many dimensions can be easily visualized by humans?</a:t>
+              <a:rPr lang="en-US" dirty="0"/>
+              <a:t>Supervised only works on smaller datasets, and you need to use Unsupervised with larger datasets</a:t>
+            </a:r>
+          </a:p>
+          <a:p>
+            <a:pPr marL="0" lvl="0" indent="0">
+              <a:buNone/>
+            </a:pPr>
+            <a:r>
+              <a:rPr lang="en-US" dirty="0"/>
+              <a:t>2) What is a cluster?</a:t>
             </a:r>
           </a:p>
           <a:p>
             <a:pPr lvl="1"/>
             <a:r>
-              <a:rPr lang="en-US" sz="1200" kern="1200" dirty="0">
-                <a:solidFill>
-                  <a:schemeClr val="tx1"/>
-                </a:solidFill>
-                <a:effectLst/>
-                <a:latin typeface="+mn-lt"/>
-                <a:ea typeface="+mn-ea"/>
-                <a:cs typeface="+mn-cs"/>
-              </a:rPr>
-              <a:t>3 dimensions</a:t>
-            </a:r>
-          </a:p>
-          <a:p>
-            <a:endParaRPr lang="en-US" sz="1200" kern="1200" dirty="0">
-              <a:solidFill>
-                <a:schemeClr val="tx1"/>
-              </a:solidFill>
-              <a:effectLst/>
-              <a:latin typeface="+mn-lt"/>
-              <a:ea typeface="+mn-ea"/>
-              <a:cs typeface="+mn-cs"/>
-            </a:endParaRPr>
+              <a:rPr lang="en-US" dirty="0"/>
+              <a:t>A group of models used to train on data</a:t>
+            </a:r>
+          </a:p>
+          <a:p>
+            <a:pPr lvl="1"/>
+            <a:r>
+              <a:rPr lang="en-US" dirty="0"/>
+              <a:t>A collection of features that are important to your model</a:t>
+            </a:r>
+          </a:p>
+          <a:p>
+            <a:pPr lvl="1"/>
+            <a:r>
+              <a:rPr lang="en-US" b="1" dirty="0"/>
+              <a:t>A grouping of similar data</a:t>
+            </a:r>
+          </a:p>
+          <a:p>
+            <a:pPr marL="0" lvl="0" indent="0">
+              <a:buNone/>
+            </a:pPr>
+            <a:r>
+              <a:rPr lang="en-US" dirty="0"/>
+              <a:t>3) Finding clusters in your data is always valuable</a:t>
+            </a:r>
+          </a:p>
+          <a:p>
+            <a:pPr lvl="1"/>
+            <a:r>
+              <a:rPr lang="en-US" dirty="0"/>
+              <a:t>True</a:t>
+            </a:r>
+          </a:p>
+          <a:p>
+            <a:pPr lvl="1"/>
+            <a:r>
+              <a:rPr lang="en-US" b="1" dirty="0"/>
+              <a:t>False</a:t>
+            </a:r>
           </a:p>
         </p:txBody>
       </p:sp>
@@ -2973,7 +2896,7 @@
           <a:p>
             <a:fld id="{5897CFCD-DFD6-F34D-95F2-86875A23819B}" type="datetime1">
               <a:rPr lang="en-GB" smtClean="0"/>
-              <a:t>13/01/2019</a:t>
+              <a:t>15/01/2019</a:t>
             </a:fld>
             <a:endParaRPr lang="en-US"/>
           </a:p>
@@ -3084,176 +3007,94 @@
             </a:endParaRPr>
           </a:p>
           <a:p>
-            <a:pPr lvl="0"/>
-            <a:r>
-              <a:rPr lang="en-US" sz="1200" kern="1200" dirty="0">
-                <a:solidFill>
-                  <a:schemeClr val="tx1"/>
-                </a:solidFill>
-                <a:effectLst/>
-                <a:latin typeface="+mn-lt"/>
-                <a:ea typeface="+mn-ea"/>
-                <a:cs typeface="+mn-cs"/>
-              </a:rPr>
-              <a:t>What does the “K” represent in K-Means clustering?</a:t>
+            <a:pPr marL="0" lvl="0" indent="0">
+              <a:buNone/>
+            </a:pPr>
+            <a:r>
+              <a:rPr lang="en-US" dirty="0"/>
+              <a:t>4) How are dimensions expressed in a dataset?</a:t>
             </a:r>
           </a:p>
           <a:p>
             <a:pPr lvl="1"/>
             <a:r>
-              <a:rPr lang="en-US" sz="1200" kern="1200" dirty="0">
-                <a:solidFill>
-                  <a:schemeClr val="tx1"/>
-                </a:solidFill>
-                <a:effectLst/>
-                <a:latin typeface="+mn-lt"/>
-                <a:ea typeface="+mn-ea"/>
-                <a:cs typeface="+mn-cs"/>
-              </a:rPr>
-              <a:t>K represents the expected number of distinct clusters</a:t>
-            </a:r>
-          </a:p>
-          <a:p>
-            <a:pPr lvl="0"/>
-            <a:r>
-              <a:rPr lang="en-US" sz="1200" kern="1200" dirty="0">
-                <a:solidFill>
-                  <a:schemeClr val="tx1"/>
-                </a:solidFill>
-                <a:effectLst/>
-                <a:latin typeface="+mn-lt"/>
-                <a:ea typeface="+mn-ea"/>
-                <a:cs typeface="+mn-cs"/>
-              </a:rPr>
-              <a:t>T/F – The starting points for K-Means are determined by taking the mean of all the points in the space.</a:t>
+              <a:rPr lang="en-US" b="1" dirty="0"/>
+              <a:t>As features, typically the number of columns in your data</a:t>
             </a:r>
           </a:p>
           <a:p>
             <a:pPr lvl="1"/>
             <a:r>
-              <a:rPr lang="en-US" sz="1200" kern="1200" dirty="0">
-                <a:solidFill>
-                  <a:schemeClr val="tx1"/>
-                </a:solidFill>
-                <a:effectLst/>
-                <a:latin typeface="+mn-lt"/>
-                <a:ea typeface="+mn-ea"/>
-                <a:cs typeface="+mn-cs"/>
-              </a:rPr>
-              <a:t>False – the starting points for K-Means are randomly initialized</a:t>
-            </a:r>
-          </a:p>
-          <a:p>
-            <a:pPr lvl="0"/>
-            <a:r>
-              <a:rPr lang="en-US" sz="1200" kern="1200" dirty="0">
-                <a:solidFill>
-                  <a:schemeClr val="tx1"/>
-                </a:solidFill>
-                <a:effectLst/>
-                <a:latin typeface="+mn-lt"/>
-                <a:ea typeface="+mn-ea"/>
-                <a:cs typeface="+mn-cs"/>
-              </a:rPr>
-              <a:t>What is the formula that underpins K-Means clustering?</a:t>
+              <a:rPr lang="en-US" dirty="0"/>
+              <a:t>As features, typically the number of rows in your data</a:t>
             </a:r>
           </a:p>
           <a:p>
             <a:pPr lvl="1"/>
             <a:r>
-              <a:rPr lang="en-US" sz="1200" kern="1200" dirty="0">
-                <a:solidFill>
-                  <a:schemeClr val="tx1"/>
-                </a:solidFill>
-                <a:effectLst/>
-                <a:latin typeface="+mn-lt"/>
-                <a:ea typeface="+mn-ea"/>
-                <a:cs typeface="+mn-cs"/>
-              </a:rPr>
-              <a:t>Euclidean distance formula</a:t>
-            </a:r>
-          </a:p>
-          <a:p>
-            <a:pPr lvl="0"/>
-            <a:r>
-              <a:rPr lang="en-US" sz="1200" kern="1200" dirty="0">
-                <a:solidFill>
-                  <a:schemeClr val="tx1"/>
-                </a:solidFill>
-                <a:effectLst/>
-                <a:latin typeface="+mn-lt"/>
-                <a:ea typeface="+mn-ea"/>
-                <a:cs typeface="+mn-cs"/>
-              </a:rPr>
-              <a:t>When does a K-Means clustering algorithm finish running?</a:t>
+              <a:rPr lang="en-US" dirty="0"/>
+              <a:t>As features, typically the number of tables in your database</a:t>
+            </a:r>
+          </a:p>
+          <a:p>
+            <a:pPr marL="0" lvl="0" indent="0">
+              <a:buNone/>
+            </a:pPr>
+            <a:r>
+              <a:rPr lang="en-US" dirty="0"/>
+              <a:t>5) How many dimensions can be calculated by computers?</a:t>
             </a:r>
           </a:p>
           <a:p>
             <a:pPr lvl="1"/>
             <a:r>
-              <a:rPr lang="en-US" sz="1200" kern="1200" dirty="0">
-                <a:solidFill>
-                  <a:schemeClr val="tx1"/>
-                </a:solidFill>
-                <a:effectLst/>
-                <a:latin typeface="+mn-lt"/>
-                <a:ea typeface="+mn-ea"/>
-                <a:cs typeface="+mn-cs"/>
-              </a:rPr>
-              <a:t>K-Means finishes when it converges, and there is no difference between the newest calculated centroid and old one in the training loop.</a:t>
-            </a:r>
-          </a:p>
-          <a:p>
-            <a:pPr lvl="0"/>
-            <a:r>
-              <a:rPr lang="en-US" sz="1200" kern="1200" dirty="0">
-                <a:solidFill>
-                  <a:schemeClr val="tx1"/>
-                </a:solidFill>
-                <a:effectLst/>
-                <a:latin typeface="+mn-lt"/>
-                <a:ea typeface="+mn-ea"/>
-                <a:cs typeface="+mn-cs"/>
-              </a:rPr>
-              <a:t>T/F – K-Means will still find clusters in a dataset even if all of the data is fairly similar.</a:t>
+              <a:rPr lang="en-US" dirty="0"/>
+              <a:t>Less than 3</a:t>
             </a:r>
           </a:p>
           <a:p>
             <a:pPr lvl="1"/>
             <a:r>
-              <a:rPr lang="en-US" sz="1200" kern="1200" dirty="0">
-                <a:solidFill>
-                  <a:schemeClr val="tx1"/>
-                </a:solidFill>
-                <a:effectLst/>
-                <a:latin typeface="+mn-lt"/>
-                <a:ea typeface="+mn-ea"/>
-                <a:cs typeface="+mn-cs"/>
-              </a:rPr>
-              <a:t>True. K-Means does it’s best to find the K number of clusters you tell it to. That means even if you have one large cluster of data but tell it to find K clusters within it, it will break it into those K number of groups the best it can. </a:t>
-            </a:r>
-          </a:p>
-          <a:p>
-            <a:endParaRPr lang="en-US" sz="1200" kern="1200" baseline="0" dirty="0">
-              <a:solidFill>
-                <a:schemeClr val="tx1"/>
-              </a:solidFill>
-              <a:effectLst/>
-              <a:latin typeface="+mn-lt"/>
-              <a:ea typeface="+mn-ea"/>
-              <a:cs typeface="+mn-cs"/>
-            </a:endParaRPr>
-          </a:p>
-          <a:p>
-            <a:endParaRPr lang="en-US" sz="1200" kern="1200" dirty="0">
-              <a:solidFill>
-                <a:schemeClr val="tx1"/>
-              </a:solidFill>
-              <a:effectLst/>
-              <a:latin typeface="+mn-lt"/>
-              <a:ea typeface="+mn-ea"/>
-              <a:cs typeface="+mn-cs"/>
-            </a:endParaRPr>
+              <a:rPr lang="en-US" dirty="0"/>
+              <a:t>3</a:t>
+            </a:r>
+          </a:p>
+          <a:p>
+            <a:pPr lvl="1"/>
+            <a:r>
+              <a:rPr lang="en-US" b="1" dirty="0"/>
+              <a:t>Greater than 3</a:t>
+            </a:r>
+          </a:p>
+          <a:p>
+            <a:pPr marL="0" lvl="0" indent="0">
+              <a:buNone/>
+            </a:pPr>
+            <a:r>
+              <a:rPr lang="en-US" dirty="0"/>
+              <a:t>6) What does the “K” represent in K-Means clustering?</a:t>
+            </a:r>
+          </a:p>
+          <a:p>
+            <a:pPr lvl="1"/>
+            <a:r>
+              <a:rPr lang="en-US" dirty="0"/>
+              <a:t>How many models will be fit to your data, with performance results averaged</a:t>
+            </a:r>
+          </a:p>
+          <a:p>
+            <a:pPr lvl="1"/>
+            <a:r>
+              <a:rPr lang="en-US" b="1" dirty="0"/>
+              <a:t>How many clusters you expect to be in your data</a:t>
+            </a:r>
+          </a:p>
+          <a:p>
+            <a:pPr lvl="1"/>
+            <a:r>
+              <a:rPr lang="en-US" dirty="0"/>
+              <a:t>How many dimensions your data set has</a:t>
+            </a:r>
           </a:p>
         </p:txBody>
       </p:sp>
@@ -3274,7 +3115,7 @@
           <a:p>
             <a:fld id="{5897CFCD-DFD6-F34D-95F2-86875A23819B}" type="datetime1">
               <a:rPr lang="en-GB" smtClean="0"/>
-              <a:t>13/01/2019</a:t>
+              <a:t>15/01/2019</a:t>
             </a:fld>
             <a:endParaRPr lang="en-US"/>
           </a:p>
@@ -3298,6 +3139,231 @@
             <a:fld id="{4235C6A4-13EB-334F-862B-598CD5A9818C}" type="slidenum">
               <a:rPr lang="en-US" smtClean="0"/>
               <a:t>31</a:t>
+            </a:fld>
+            <a:endParaRPr lang="en-US"/>
+          </a:p>
+        </p:txBody>
+      </p:sp>
+    </p:spTree>
+    <p:extLst>
+      <p:ext uri="{BB962C8B-B14F-4D97-AF65-F5344CB8AC3E}">
+        <p14:creationId xmlns:p14="http://schemas.microsoft.com/office/powerpoint/2010/main" val="4149995156"/>
+      </p:ext>
+    </p:extLst>
+  </p:cSld>
+  <p:clrMapOvr>
+    <a:masterClrMapping/>
+  </p:clrMapOvr>
+</p:notes>
+</file>
+
+<file path=ppt/notesSlides/notesSlide26.xml><?xml version="1.0" encoding="utf-8"?>
+<p:notes xmlns:a="http://schemas.openxmlformats.org/drawingml/2006/main" xmlns:r="http://schemas.openxmlformats.org/officeDocument/2006/relationships" xmlns:p="http://schemas.openxmlformats.org/presentationml/2006/main">
+  <p:cSld>
+    <p:spTree>
+      <p:nvGrpSpPr>
+        <p:cNvPr id="1" name=""/>
+        <p:cNvGrpSpPr/>
+        <p:nvPr/>
+      </p:nvGrpSpPr>
+      <p:grpSpPr>
+        <a:xfrm>
+          <a:off x="0" y="0"/>
+          <a:ext cx="0" cy="0"/>
+          <a:chOff x="0" y="0"/>
+          <a:chExt cx="0" cy="0"/>
+        </a:xfrm>
+      </p:grpSpPr>
+      <p:sp>
+        <p:nvSpPr>
+          <p:cNvPr id="2" name="Slide Image Placeholder 1"/>
+          <p:cNvSpPr>
+            <a:spLocks noGrp="1" noRot="1" noChangeAspect="1"/>
+          </p:cNvSpPr>
+          <p:nvPr>
+            <p:ph type="sldImg"/>
+          </p:nvPr>
+        </p:nvSpPr>
+        <p:spPr/>
+      </p:sp>
+      <p:sp>
+        <p:nvSpPr>
+          <p:cNvPr id="3" name="Notes Placeholder 2"/>
+          <p:cNvSpPr>
+            <a:spLocks noGrp="1"/>
+          </p:cNvSpPr>
+          <p:nvPr>
+            <p:ph type="body" idx="1"/>
+          </p:nvPr>
+        </p:nvSpPr>
+        <p:spPr/>
+        <p:txBody>
+          <a:bodyPr/>
+          <a:lstStyle/>
+          <a:p>
+            <a:pPr marL="0" lvl="0" indent="0">
+              <a:buNone/>
+            </a:pPr>
+            <a:r>
+              <a:rPr lang="en-US" dirty="0"/>
+              <a:t>Answers</a:t>
+            </a:r>
+          </a:p>
+          <a:p>
+            <a:pPr marL="0" lvl="0" indent="0">
+              <a:buNone/>
+            </a:pPr>
+            <a:endParaRPr lang="en-US" dirty="0"/>
+          </a:p>
+          <a:p>
+            <a:pPr marL="0" lvl="0" indent="0">
+              <a:buNone/>
+            </a:pPr>
+            <a:r>
+              <a:rPr lang="en-US" dirty="0"/>
+              <a:t>7) The starting points for K-Means are determined by taking the mean of all the points in the space.</a:t>
+            </a:r>
+          </a:p>
+          <a:p>
+            <a:pPr lvl="1"/>
+            <a:r>
+              <a:rPr lang="en-US" dirty="0"/>
+              <a:t>True</a:t>
+            </a:r>
+          </a:p>
+          <a:p>
+            <a:pPr lvl="1"/>
+            <a:r>
+              <a:rPr lang="en-US" b="1" dirty="0"/>
+              <a:t>False</a:t>
+            </a:r>
+          </a:p>
+          <a:p>
+            <a:pPr marL="0" lvl="0" indent="0">
+              <a:buNone/>
+            </a:pPr>
+            <a:r>
+              <a:rPr lang="en-US" dirty="0"/>
+              <a:t>8) What is the formula that underpins K-Means clustering?</a:t>
+            </a:r>
+          </a:p>
+          <a:p>
+            <a:pPr lvl="1"/>
+            <a:r>
+              <a:rPr lang="en-US" b="1" dirty="0"/>
+              <a:t>Euclidean Distance</a:t>
+            </a:r>
+          </a:p>
+          <a:p>
+            <a:pPr lvl="1"/>
+            <a:r>
+              <a:rPr lang="en-US" dirty="0"/>
+              <a:t>Manhattan Distance</a:t>
+            </a:r>
+          </a:p>
+          <a:p>
+            <a:pPr lvl="1"/>
+            <a:r>
+              <a:rPr lang="en-US" dirty="0"/>
+              <a:t>Cosine Distance </a:t>
+            </a:r>
+          </a:p>
+          <a:p>
+            <a:pPr marL="0" lvl="0" indent="0">
+              <a:buNone/>
+            </a:pPr>
+            <a:r>
+              <a:rPr lang="en-US" dirty="0"/>
+              <a:t>9) When does a K-Means clustering algorithm finish running?</a:t>
+            </a:r>
+          </a:p>
+          <a:p>
+            <a:pPr lvl="1"/>
+            <a:r>
+              <a:rPr lang="en-US" dirty="0"/>
+              <a:t>After specified number of iterations</a:t>
+            </a:r>
+          </a:p>
+          <a:p>
+            <a:pPr lvl="1"/>
+            <a:r>
+              <a:rPr lang="en-US" dirty="0"/>
+              <a:t>After K/2 iterations</a:t>
+            </a:r>
+          </a:p>
+          <a:p>
+            <a:pPr lvl="1"/>
+            <a:r>
+              <a:rPr lang="en-US" b="1" dirty="0"/>
+              <a:t>After convergence, when there is no longer a difference in calculated cluster centers</a:t>
+            </a:r>
+          </a:p>
+          <a:p>
+            <a:pPr marL="0" lvl="0" indent="0">
+              <a:buNone/>
+            </a:pPr>
+            <a:r>
+              <a:rPr lang="en-US" dirty="0"/>
+              <a:t>10) K-Means will still find clusters in a dataset even if all of the data is fairly similar.</a:t>
+            </a:r>
+          </a:p>
+          <a:p>
+            <a:pPr lvl="1"/>
+            <a:r>
+              <a:rPr lang="en-US" b="1" dirty="0"/>
+              <a:t>True</a:t>
+            </a:r>
+          </a:p>
+          <a:p>
+            <a:pPr lvl="1"/>
+            <a:r>
+              <a:rPr lang="en-US" dirty="0"/>
+              <a:t>False </a:t>
+            </a:r>
+          </a:p>
+        </p:txBody>
+      </p:sp>
+      <p:sp>
+        <p:nvSpPr>
+          <p:cNvPr id="4" name="Date Placeholder 3"/>
+          <p:cNvSpPr>
+            <a:spLocks noGrp="1"/>
+          </p:cNvSpPr>
+          <p:nvPr>
+            <p:ph type="dt" idx="10"/>
+          </p:nvPr>
+        </p:nvSpPr>
+        <p:spPr/>
+        <p:txBody>
+          <a:bodyPr/>
+          <a:lstStyle/>
+          <a:p>
+            <a:fld id="{5897CFCD-DFD6-F34D-95F2-86875A23819B}" type="datetime1">
+              <a:rPr lang="en-GB" smtClean="0"/>
+              <a:t>15/01/2019</a:t>
+            </a:fld>
+            <a:endParaRPr lang="en-US"/>
+          </a:p>
+        </p:txBody>
+      </p:sp>
+      <p:sp>
+        <p:nvSpPr>
+          <p:cNvPr id="5" name="Slide Number Placeholder 4"/>
+          <p:cNvSpPr>
+            <a:spLocks noGrp="1"/>
+          </p:cNvSpPr>
+          <p:nvPr>
+            <p:ph type="sldNum" sz="quarter" idx="11"/>
+          </p:nvPr>
+        </p:nvSpPr>
+        <p:spPr/>
+        <p:txBody>
+          <a:bodyPr/>
+          <a:lstStyle/>
+          <a:p>
+            <a:fld id="{4235C6A4-13EB-334F-862B-598CD5A9818C}" type="slidenum">
+              <a:rPr lang="en-US" smtClean="0"/>
+              <a:t>32</a:t>
             </a:fld>
             <a:endParaRPr lang="en-US"/>
           </a:p>
@@ -3381,7 +3447,7 @@
           <a:p>
             <a:fld id="{5897CFCD-DFD6-F34D-95F2-86875A23819B}" type="datetime1">
               <a:rPr lang="en-GB" smtClean="0"/>
-              <a:t>13/01/2019</a:t>
+              <a:t>15/01/2019</a:t>
             </a:fld>
             <a:endParaRPr lang="en-US"/>
           </a:p>
@@ -3542,7 +3608,7 @@
           <a:p>
             <a:fld id="{5897CFCD-DFD6-F34D-95F2-86875A23819B}" type="datetime1">
               <a:rPr lang="en-GB" smtClean="0"/>
-              <a:t>13/01/2019</a:t>
+              <a:t>15/01/2019</a:t>
             </a:fld>
             <a:endParaRPr lang="en-US"/>
           </a:p>
@@ -3677,7 +3743,7 @@
           <a:p>
             <a:fld id="{5897CFCD-DFD6-F34D-95F2-86875A23819B}" type="datetime1">
               <a:rPr lang="en-GB" smtClean="0"/>
-              <a:t>13/01/2019</a:t>
+              <a:t>15/01/2019</a:t>
             </a:fld>
             <a:endParaRPr lang="en-US"/>
           </a:p>
@@ -3805,7 +3871,7 @@
           <a:p>
             <a:fld id="{5897CFCD-DFD6-F34D-95F2-86875A23819B}" type="datetime1">
               <a:rPr lang="en-GB" smtClean="0"/>
-              <a:t>13/01/2019</a:t>
+              <a:t>15/01/2019</a:t>
             </a:fld>
             <a:endParaRPr lang="en-US"/>
           </a:p>
@@ -3912,7 +3978,7 @@
           <a:p>
             <a:fld id="{5897CFCD-DFD6-F34D-95F2-86875A23819B}" type="datetime1">
               <a:rPr lang="en-GB" smtClean="0"/>
-              <a:t>13/01/2019</a:t>
+              <a:t>15/01/2019</a:t>
             </a:fld>
             <a:endParaRPr lang="en-US"/>
           </a:p>
@@ -4044,7 +4110,7 @@
           <a:p>
             <a:fld id="{5897CFCD-DFD6-F34D-95F2-86875A23819B}" type="datetime1">
               <a:rPr lang="en-GB" smtClean="0"/>
-              <a:t>13/01/2019</a:t>
+              <a:t>15/01/2019</a:t>
             </a:fld>
             <a:endParaRPr lang="en-US"/>
           </a:p>
@@ -4179,7 +4245,7 @@
           <a:p>
             <a:fld id="{5897CFCD-DFD6-F34D-95F2-86875A23819B}" type="datetime1">
               <a:rPr lang="en-GB" smtClean="0"/>
-              <a:t>13/01/2019</a:t>
+              <a:t>15/01/2019</a:t>
             </a:fld>
             <a:endParaRPr lang="en-US"/>
           </a:p>
@@ -4392,7 +4458,7 @@
             <a:fld id="{A20003F6-9FA2-F04E-AA53-1C0C7743172A}" type="datetime1">
               <a:rPr lang="en-GB" smtClean="0"/>
               <a:pPr/>
-              <a:t>13/01/2019</a:t>
+              <a:t>15/01/2019</a:t>
             </a:fld>
             <a:endParaRPr lang="en-US"/>
           </a:p>
@@ -4684,7 +4750,7 @@
           <a:p>
             <a:fld id="{A20003F6-9FA2-F04E-AA53-1C0C7743172A}" type="datetime1">
               <a:rPr lang="en-GB" smtClean="0"/>
-              <a:t>13/01/2019</a:t>
+              <a:t>15/01/2019</a:t>
             </a:fld>
             <a:endParaRPr lang="en-US"/>
           </a:p>
@@ -4974,7 +5040,7 @@
             <a:fld id="{B1FFB84F-73DC-4C43-AC13-67A9ADC1B225}" type="datetime1">
               <a:rPr lang="en-GB" smtClean="0"/>
               <a:pPr/>
-              <a:t>13/01/2019</a:t>
+              <a:t>15/01/2019</a:t>
             </a:fld>
             <a:endParaRPr lang="en-US"/>
           </a:p>
@@ -5316,7 +5382,7 @@
           <a:p>
             <a:fld id="{1D3AC278-FEFB-4949-87C8-2F7B048D5B30}" type="datetime1">
               <a:rPr lang="en-GB" smtClean="0"/>
-              <a:t>13/01/2019</a:t>
+              <a:t>15/01/2019</a:t>
             </a:fld>
             <a:endParaRPr lang="en-US"/>
           </a:p>
@@ -5457,7 +5523,7 @@
           <a:p>
             <a:fld id="{864A2DF1-82CB-3949-8DC2-ECE30178A186}" type="datetime1">
               <a:rPr lang="en-GB" smtClean="0"/>
-              <a:t>13/01/2019</a:t>
+              <a:t>15/01/2019</a:t>
             </a:fld>
             <a:endParaRPr lang="en-US"/>
           </a:p>
@@ -5737,7 +5803,7 @@
             <a:fld id="{1D3AC278-FEFB-4949-87C8-2F7B048D5B30}" type="datetime1">
               <a:rPr lang="en-GB" smtClean="0"/>
               <a:pPr/>
-              <a:t>13/01/2019</a:t>
+              <a:t>15/01/2019</a:t>
             </a:fld>
             <a:endParaRPr lang="en-US"/>
           </a:p>
@@ -6032,7 +6098,7 @@
             <a:fld id="{A0CEF12D-8022-E647-B033-82324AAEB22F}" type="datetime1">
               <a:rPr lang="en-GB" smtClean="0"/>
               <a:pPr/>
-              <a:t>13/01/2019</a:t>
+              <a:t>15/01/2019</a:t>
             </a:fld>
             <a:endParaRPr lang="en-US"/>
           </a:p>
@@ -10057,59 +10123,91 @@
         <p:spPr/>
         <p:txBody>
           <a:bodyPr>
-            <a:normAutofit/>
+            <a:normAutofit fontScale="92500" lnSpcReduction="20000"/>
           </a:bodyPr>
           <a:lstStyle/>
           <a:p>
-            <a:pPr marL="457200" lvl="0" indent="-457200">
-              <a:buAutoNum type="arabicPeriod"/>
-            </a:pPr>
-            <a:r>
-              <a:rPr lang="en-US" dirty="0"/>
-              <a:t>How are supervised and unsupervised learning different?</a:t>
-            </a:r>
-          </a:p>
-          <a:p>
-            <a:pPr marL="457200" lvl="0" indent="-457200">
-              <a:buAutoNum type="arabicPeriod"/>
-            </a:pPr>
-            <a:r>
-              <a:rPr lang="en-US" dirty="0"/>
-              <a:t>What is a cluster?</a:t>
-            </a:r>
-          </a:p>
-          <a:p>
-            <a:pPr marL="457200" lvl="0" indent="-457200">
-              <a:buAutoNum type="arabicPeriod"/>
-            </a:pPr>
-            <a:r>
-              <a:rPr lang="en-US" dirty="0"/>
-              <a:t>Are clusters always valuable in a dataset?</a:t>
-            </a:r>
-          </a:p>
-          <a:p>
-            <a:pPr marL="457200" lvl="0" indent="-457200">
-              <a:buAutoNum type="arabicPeriod"/>
-            </a:pPr>
-            <a:r>
-              <a:rPr lang="en-US" dirty="0"/>
-              <a:t>How are dimensions expressed in a dataset?</a:t>
-            </a:r>
-          </a:p>
-          <a:p>
-            <a:pPr marL="457200" lvl="0" indent="-457200">
-              <a:buAutoNum type="arabicPeriod"/>
-            </a:pPr>
-            <a:r>
-              <a:rPr lang="en-US" dirty="0"/>
-              <a:t>How many dimensions can be easily visualized by humans?</a:t>
-            </a:r>
-          </a:p>
-          <a:p>
-            <a:pPr marL="0" indent="0">
+            <a:pPr marL="0" lvl="0" indent="0">
               <a:buNone/>
             </a:pPr>
-            <a:endParaRPr lang="en-US" dirty="0"/>
+            <a:r>
+              <a:rPr lang="en-US" dirty="0"/>
+              <a:t>1) How are supervised and unsupervised learning different?</a:t>
+            </a:r>
+          </a:p>
+          <a:p>
+            <a:pPr lvl="1"/>
+            <a:r>
+              <a:rPr lang="en-US" dirty="0"/>
+              <a:t>Supervised has labels, Unsupervised does not</a:t>
+            </a:r>
+          </a:p>
+          <a:p>
+            <a:pPr lvl="1"/>
+            <a:r>
+              <a:rPr lang="en-US" dirty="0"/>
+              <a:t>Supervised means you have to monitor the process the whole time, Unsupervised does not</a:t>
+            </a:r>
+          </a:p>
+          <a:p>
+            <a:pPr lvl="1"/>
+            <a:r>
+              <a:rPr lang="en-US" dirty="0"/>
+              <a:t>Supervised only works on smaller datasets, and you need to use Unsupervised with larger datasets</a:t>
+            </a:r>
+          </a:p>
+          <a:p>
+            <a:pPr marL="0" lvl="0" indent="0">
+              <a:buNone/>
+            </a:pPr>
+            <a:r>
+              <a:rPr lang="en-US" dirty="0"/>
+              <a:t>2) What is a cluster?</a:t>
+            </a:r>
+          </a:p>
+          <a:p>
+            <a:pPr lvl="1"/>
+            <a:r>
+              <a:rPr lang="en-US" dirty="0"/>
+              <a:t>A group of models used to train on data</a:t>
+            </a:r>
+          </a:p>
+          <a:p>
+            <a:pPr lvl="1"/>
+            <a:r>
+              <a:rPr lang="en-US" dirty="0"/>
+              <a:t>A collection of features that are important to your model</a:t>
+            </a:r>
+          </a:p>
+          <a:p>
+            <a:pPr lvl="1"/>
+            <a:r>
+              <a:rPr lang="en-US" dirty="0"/>
+              <a:t>A grouping of similar data</a:t>
+            </a:r>
+          </a:p>
+          <a:p>
+            <a:pPr marL="0" lvl="0" indent="0">
+              <a:buNone/>
+            </a:pPr>
+            <a:r>
+              <a:rPr lang="en-US" dirty="0"/>
+              <a:t>3) Finding clusters in your data is always valuable</a:t>
+            </a:r>
+          </a:p>
+          <a:p>
+            <a:pPr lvl="1"/>
+            <a:r>
+              <a:rPr lang="en-US" dirty="0"/>
+              <a:t>True</a:t>
+            </a:r>
+          </a:p>
+          <a:p>
+            <a:pPr lvl="1"/>
+            <a:r>
+              <a:rPr lang="en-US" dirty="0"/>
+              <a:t>False</a:t>
+            </a:r>
           </a:p>
         </p:txBody>
       </p:sp>
@@ -10199,10 +10297,15 @@
             <p:ph idx="1"/>
           </p:nvPr>
         </p:nvSpPr>
-        <p:spPr/>
+        <p:spPr>
+          <a:xfrm>
+            <a:off x="648000" y="1404000"/>
+            <a:ext cx="10800000" cy="5193352"/>
+          </a:xfrm>
+        </p:spPr>
         <p:txBody>
           <a:bodyPr>
-            <a:normAutofit/>
+            <a:normAutofit fontScale="92500" lnSpcReduction="20000"/>
           </a:bodyPr>
           <a:lstStyle/>
           <a:p>
@@ -10211,7 +10314,28 @@
             </a:pPr>
             <a:r>
               <a:rPr lang="en-US" dirty="0"/>
-              <a:t>6. What does the “K” represent in K-Means clustering?</a:t>
+              <a:t>4) How are dimensions expressed in a dataset?</a:t>
+            </a:r>
+          </a:p>
+          <a:p>
+            <a:pPr lvl="1"/>
+            <a:r>
+              <a:rPr lang="en-US" dirty="0"/>
+              <a:t>As features, typically the number of columns in your data</a:t>
+            </a:r>
+          </a:p>
+          <a:p>
+            <a:pPr lvl="1"/>
+            <a:r>
+              <a:rPr lang="en-US" dirty="0"/>
+              <a:t>As features, typically the number of rows in your data</a:t>
+            </a:r>
+          </a:p>
+          <a:p>
+            <a:pPr lvl="1"/>
+            <a:r>
+              <a:rPr lang="en-US" dirty="0"/>
+              <a:t>As features, typically the number of tables in your database</a:t>
             </a:r>
           </a:p>
           <a:p>
@@ -10220,7 +10344,28 @@
             </a:pPr>
             <a:r>
               <a:rPr lang="en-US" dirty="0"/>
-              <a:t>7. T/F – The starting points for K-Means are determined by taking the mean of all the points in the space.</a:t>
+              <a:t>5) How many dimensions can be calculated by computers?</a:t>
+            </a:r>
+          </a:p>
+          <a:p>
+            <a:pPr lvl="1"/>
+            <a:r>
+              <a:rPr lang="en-US" dirty="0"/>
+              <a:t>Less than 3</a:t>
+            </a:r>
+          </a:p>
+          <a:p>
+            <a:pPr lvl="1"/>
+            <a:r>
+              <a:rPr lang="en-US" dirty="0"/>
+              <a:t>3</a:t>
+            </a:r>
+          </a:p>
+          <a:p>
+            <a:pPr lvl="1"/>
+            <a:r>
+              <a:rPr lang="en-US" dirty="0"/>
+              <a:t>Greater than 3</a:t>
             </a:r>
           </a:p>
           <a:p>
@@ -10229,29 +10374,29 @@
             </a:pPr>
             <a:r>
               <a:rPr lang="en-US" dirty="0"/>
-              <a:t>8. What is the formula that underpins K-Means clustering?</a:t>
-            </a:r>
-          </a:p>
-          <a:p>
-            <a:pPr marL="0" lvl="0" indent="0">
-              <a:buNone/>
-            </a:pPr>
-            <a:r>
-              <a:rPr lang="en-US" dirty="0"/>
-              <a:t>9. When does a K-Means clustering algorithm finish running?</a:t>
-            </a:r>
-          </a:p>
-          <a:p>
-            <a:pPr marL="0" lvl="0" indent="0">
-              <a:buNone/>
-            </a:pPr>
-            <a:r>
-              <a:rPr lang="en-US" dirty="0"/>
-              <a:t>10. T/F – K-Means will still find clusters in a dataset even if all of the data is fairly similar.</a:t>
-            </a:r>
-          </a:p>
-          <a:p>
-            <a:endParaRPr lang="en-US" dirty="0"/>
+              <a:t>6) What does the “K” represent in K-Means clustering?</a:t>
+            </a:r>
+          </a:p>
+          <a:p>
+            <a:pPr lvl="1"/>
+            <a:r>
+              <a:rPr lang="en-US" dirty="0"/>
+              <a:t>How many models will be fit to your data, with performance results averaged</a:t>
+            </a:r>
+          </a:p>
+          <a:p>
+            <a:pPr lvl="1"/>
+            <a:r>
+              <a:rPr lang="en-US" dirty="0"/>
+              <a:t>How many clusters you expect to be in your data</a:t>
+            </a:r>
+          </a:p>
+          <a:p>
+            <a:pPr lvl="1"/>
+            <a:r>
+              <a:rPr lang="en-US" dirty="0"/>
+              <a:t>How many dimensions your data set has</a:t>
+            </a:r>
           </a:p>
         </p:txBody>
       </p:sp>
@@ -10274,6 +10419,211 @@
               <a:rPr lang="en-US" smtClean="0"/>
               <a:pPr/>
               <a:t>31</a:t>
+            </a:fld>
+            <a:endParaRPr lang="en-US" dirty="0"/>
+          </a:p>
+        </p:txBody>
+      </p:sp>
+    </p:spTree>
+    <p:extLst>
+      <p:ext uri="{BB962C8B-B14F-4D97-AF65-F5344CB8AC3E}">
+        <p14:creationId xmlns:p14="http://schemas.microsoft.com/office/powerpoint/2010/main" val="3249659709"/>
+      </p:ext>
+    </p:extLst>
+  </p:cSld>
+  <p:clrMapOvr>
+    <a:masterClrMapping/>
+  </p:clrMapOvr>
+</p:sld>
+</file>
+
+<file path=ppt/slides/slide32.xml><?xml version="1.0" encoding="utf-8"?>
+<p:sld xmlns:a="http://schemas.openxmlformats.org/drawingml/2006/main" xmlns:r="http://schemas.openxmlformats.org/officeDocument/2006/relationships" xmlns:p="http://schemas.openxmlformats.org/presentationml/2006/main">
+  <p:cSld>
+    <p:spTree>
+      <p:nvGrpSpPr>
+        <p:cNvPr id="1" name=""/>
+        <p:cNvGrpSpPr/>
+        <p:nvPr/>
+      </p:nvGrpSpPr>
+      <p:grpSpPr>
+        <a:xfrm>
+          <a:off x="0" y="0"/>
+          <a:ext cx="0" cy="0"/>
+          <a:chOff x="0" y="0"/>
+          <a:chExt cx="0" cy="0"/>
+        </a:xfrm>
+      </p:grpSpPr>
+      <p:sp>
+        <p:nvSpPr>
+          <p:cNvPr id="2" name="Title 1"/>
+          <p:cNvSpPr>
+            <a:spLocks noGrp="1"/>
+          </p:cNvSpPr>
+          <p:nvPr>
+            <p:ph type="title"/>
+          </p:nvPr>
+        </p:nvSpPr>
+        <p:spPr/>
+        <p:txBody>
+          <a:bodyPr/>
+          <a:lstStyle/>
+          <a:p>
+            <a:r>
+              <a:rPr lang="en-US" dirty="0"/>
+              <a:t>Practice Questions</a:t>
+            </a:r>
+          </a:p>
+        </p:txBody>
+      </p:sp>
+      <p:sp>
+        <p:nvSpPr>
+          <p:cNvPr id="3" name="Content Placeholder 2"/>
+          <p:cNvSpPr>
+            <a:spLocks noGrp="1"/>
+          </p:cNvSpPr>
+          <p:nvPr>
+            <p:ph idx="1"/>
+          </p:nvPr>
+        </p:nvSpPr>
+        <p:spPr>
+          <a:xfrm>
+            <a:off x="648000" y="1215360"/>
+            <a:ext cx="10800000" cy="5454000"/>
+          </a:xfrm>
+        </p:spPr>
+        <p:txBody>
+          <a:bodyPr>
+            <a:normAutofit fontScale="85000" lnSpcReduction="20000"/>
+          </a:bodyPr>
+          <a:lstStyle/>
+          <a:p>
+            <a:pPr marL="0" lvl="0" indent="0">
+              <a:buNone/>
+            </a:pPr>
+            <a:r>
+              <a:rPr lang="en-US" dirty="0"/>
+              <a:t>7) The starting points for K-Means are determined by taking the mean of all the points in the space.</a:t>
+            </a:r>
+          </a:p>
+          <a:p>
+            <a:pPr lvl="1"/>
+            <a:r>
+              <a:rPr lang="en-US" dirty="0"/>
+              <a:t>True</a:t>
+            </a:r>
+          </a:p>
+          <a:p>
+            <a:pPr lvl="1"/>
+            <a:r>
+              <a:rPr lang="en-US" dirty="0"/>
+              <a:t>False</a:t>
+            </a:r>
+          </a:p>
+          <a:p>
+            <a:pPr marL="0" lvl="0" indent="0">
+              <a:buNone/>
+            </a:pPr>
+            <a:r>
+              <a:rPr lang="en-US" dirty="0"/>
+              <a:t>8) What is the formula that underpins K-Means clustering?</a:t>
+            </a:r>
+          </a:p>
+          <a:p>
+            <a:pPr lvl="1"/>
+            <a:r>
+              <a:rPr lang="en-US" dirty="0"/>
+              <a:t>Euclidean Distance</a:t>
+            </a:r>
+          </a:p>
+          <a:p>
+            <a:pPr lvl="1"/>
+            <a:r>
+              <a:rPr lang="en-US" dirty="0"/>
+              <a:t>Manhattan Distance</a:t>
+            </a:r>
+          </a:p>
+          <a:p>
+            <a:pPr lvl="1"/>
+            <a:r>
+              <a:rPr lang="en-US" dirty="0"/>
+              <a:t>Cosine Distance </a:t>
+            </a:r>
+          </a:p>
+          <a:p>
+            <a:pPr marL="0" lvl="0" indent="0">
+              <a:buNone/>
+            </a:pPr>
+            <a:r>
+              <a:rPr lang="en-US" dirty="0"/>
+              <a:t>9) When does a K-Means clustering algorithm finish running?</a:t>
+            </a:r>
+          </a:p>
+          <a:p>
+            <a:pPr lvl="1"/>
+            <a:r>
+              <a:rPr lang="en-US" dirty="0"/>
+              <a:t>After specified number of iterations</a:t>
+            </a:r>
+          </a:p>
+          <a:p>
+            <a:pPr lvl="1"/>
+            <a:r>
+              <a:rPr lang="en-US" dirty="0"/>
+              <a:t>After K/2 iterations</a:t>
+            </a:r>
+          </a:p>
+          <a:p>
+            <a:pPr lvl="1"/>
+            <a:r>
+              <a:rPr lang="en-US" dirty="0"/>
+              <a:t>After convergence, when there is no longer a difference in calculated cluster centers</a:t>
+            </a:r>
+          </a:p>
+          <a:p>
+            <a:pPr marL="0" lvl="0" indent="0">
+              <a:buNone/>
+            </a:pPr>
+            <a:r>
+              <a:rPr lang="en-US" dirty="0"/>
+              <a:t>10) K-Means will still find clusters in a dataset even if all of the data is fairly similar.</a:t>
+            </a:r>
+          </a:p>
+          <a:p>
+            <a:pPr lvl="1"/>
+            <a:r>
+              <a:rPr lang="en-US" dirty="0"/>
+              <a:t>True</a:t>
+            </a:r>
+          </a:p>
+          <a:p>
+            <a:pPr lvl="1"/>
+            <a:r>
+              <a:rPr lang="en-US" dirty="0"/>
+              <a:t>False </a:t>
+            </a:r>
+          </a:p>
+        </p:txBody>
+      </p:sp>
+      <p:sp>
+        <p:nvSpPr>
+          <p:cNvPr id="4" name="Slide Number Placeholder 3"/>
+          <p:cNvSpPr>
+            <a:spLocks noGrp="1"/>
+          </p:cNvSpPr>
+          <p:nvPr>
+            <p:ph type="sldNum" sz="quarter" idx="4"/>
+          </p:nvPr>
+        </p:nvSpPr>
+        <p:spPr/>
+        <p:txBody>
+          <a:bodyPr/>
+          <a:lstStyle/>
+          <a:p>
+            <a:fld id="{2D5587A6-0F28-234D-9116-41BE2E1A2AC2}" type="slidenum">
+              <a:rPr lang="en-US" smtClean="0"/>
+              <a:pPr/>
+              <a:t>32</a:t>
             </a:fld>
             <a:endParaRPr lang="en-US" dirty="0"/>
           </a:p>
